--- a/project_01/docs/Bunchatheravate_ENGI301_project_01_proposal.pptx
+++ b/project_01/docs/Bunchatheravate_ENGI301_project_01_proposal.pptx
@@ -19360,14 +19360,14 @@
             <p:ph idx="1"/>
             <p:extLst>
               <p:ext uri="{D42A27DB-BD31-4B8C-83A1-F6EECF244321}">
-                <p14:modId xmlns:p14="http://schemas.microsoft.com/office/powerpoint/2010/main" val="3585616037"/>
+                <p14:modId xmlns:p14="http://schemas.microsoft.com/office/powerpoint/2010/main" val="2811017327"/>
               </p:ext>
             </p:extLst>
           </p:nvPr>
         </p:nvGraphicFramePr>
         <p:xfrm>
           <a:off x="609600" y="1295400"/>
-          <a:ext cx="10972800" cy="3235960"/>
+          <a:ext cx="10972800" cy="2865120"/>
         </p:xfrm>
         <a:graphic>
           <a:graphicData uri="http://schemas.openxmlformats.org/drawingml/2006/table">
@@ -19460,9 +19460,12 @@
                     <a:lstStyle/>
                     <a:p>
                       <a:r>
-                        <a:rPr lang="en-US" dirty="0"/>
+                        <a:rPr lang="en-US" dirty="0">
+                          <a:hlinkClick r:id="rId2"/>
+                        </a:rPr>
                         <a:t>SPI Screen</a:t>
                       </a:r>
+                      <a:endParaRPr lang="en-US" dirty="0"/>
                     </a:p>
                   </a:txBody>
                   <a:tcPr/>
@@ -19506,9 +19509,12 @@
                     <a:lstStyle/>
                     <a:p>
                       <a:r>
-                        <a:rPr lang="en-US" dirty="0"/>
+                        <a:rPr lang="en-US" dirty="0">
+                          <a:hlinkClick r:id="rId3"/>
+                        </a:rPr>
                         <a:t>USB Hub (only need 1 port)</a:t>
                       </a:r>
+                      <a:endParaRPr lang="en-US" dirty="0"/>
                     </a:p>
                   </a:txBody>
                   <a:tcPr/>
@@ -19552,9 +19558,12 @@
                     <a:lstStyle/>
                     <a:p>
                       <a:r>
-                        <a:rPr lang="en-US" dirty="0"/>
+                        <a:rPr lang="en-US" dirty="0">
+                          <a:hlinkClick r:id="rId4"/>
+                        </a:rPr>
                         <a:t>Bela Mini </a:t>
                       </a:r>
+                      <a:endParaRPr lang="en-US" dirty="0"/>
                     </a:p>
                   </a:txBody>
                   <a:tcPr/>
@@ -19598,59 +19607,18 @@
                     <a:lstStyle/>
                     <a:p>
                       <a:r>
-                        <a:rPr lang="en-US" dirty="0"/>
-                        <a:t>USB Audio</a:t>
-                      </a:r>
-                    </a:p>
-                  </a:txBody>
-                  <a:tcPr/>
-                </a:tc>
-                <a:tc>
-                  <a:txBody>
-                    <a:bodyPr/>
-                    <a:lstStyle/>
-                    <a:p>
-                      <a:r>
-                        <a:rPr lang="en-US" dirty="0"/>
-                        <a:t>Yes</a:t>
-                      </a:r>
-                    </a:p>
-                  </a:txBody>
-                  <a:tcPr/>
-                </a:tc>
-                <a:tc>
-                  <a:txBody>
-                    <a:bodyPr/>
-                    <a:lstStyle/>
-                    <a:p>
-                      <a:r>
-                        <a:rPr lang="en-US" dirty="0"/>
-                        <a:t>8.99</a:t>
-                      </a:r>
-                    </a:p>
-                  </a:txBody>
-                  <a:tcPr/>
-                </a:tc>
-                <a:extLst>
-                  <a:ext uri="{0D108BD9-81ED-4DB2-BD59-A6C34878D82A}">
-                    <a16:rowId xmlns:a16="http://schemas.microsoft.com/office/drawing/2014/main" val="3862840897"/>
-                  </a:ext>
-                </a:extLst>
-              </a:tr>
-              <a:tr h="370840">
-                <a:tc>
-                  <a:txBody>
-                    <a:bodyPr/>
-                    <a:lstStyle/>
-                    <a:p>
-                      <a:r>
-                        <a:rPr lang="en-US" dirty="0" err="1"/>
+                        <a:rPr lang="en-US" dirty="0" err="1">
+                          <a:hlinkClick r:id="rId5"/>
+                        </a:rPr>
                         <a:t>PowerBoost</a:t>
                       </a:r>
                       <a:r>
-                        <a:rPr lang="en-US" dirty="0"/>
+                        <a:rPr lang="en-US" dirty="0">
+                          <a:hlinkClick r:id="rId5"/>
+                        </a:rPr>
                         <a:t> 1000c</a:t>
                       </a:r>
+                      <a:endParaRPr lang="en-US" dirty="0"/>
                     </a:p>
                   </a:txBody>
                   <a:tcPr/>
@@ -20113,13 +20081,8 @@
             <a:pPr lvl="1"/>
             <a:r>
               <a:rPr lang="en-US" dirty="0"/>
-              <a:t>If there is a cheaper part that you would like to use, we can discuss in </a:t>
+              <a:t>If there is a cheaper part that you would like to use, we can discuss in the project meeting</a:t>
             </a:r>
-            <a:r>
-              <a:rPr lang="en-US"/>
-              <a:t>the project meeting</a:t>
-            </a:r>
-            <a:endParaRPr lang="en-US" dirty="0"/>
           </a:p>
           <a:p>
             <a:r>

--- a/project_01/docs/Bunchatheravate_ENGI301_project_01_proposal.pptx
+++ b/project_01/docs/Bunchatheravate_ENGI301_project_01_proposal.pptx
@@ -5,10 +5,10 @@
     <p:sldMasterId id="2147483648" r:id="rId1"/>
   </p:sldMasterIdLst>
   <p:notesMasterIdLst>
-    <p:notesMasterId r:id="rId11"/>
+    <p:notesMasterId r:id="rId10"/>
   </p:notesMasterIdLst>
   <p:handoutMasterIdLst>
-    <p:handoutMasterId r:id="rId12"/>
+    <p:handoutMasterId r:id="rId11"/>
   </p:handoutMasterIdLst>
   <p:sldIdLst>
     <p:sldId id="261" r:id="rId2"/>
@@ -19,7 +19,6 @@
     <p:sldId id="378" r:id="rId7"/>
     <p:sldId id="369" r:id="rId8"/>
     <p:sldId id="372" r:id="rId9"/>
-    <p:sldId id="371" r:id="rId10"/>
   </p:sldIdLst>
   <p:sldSz cx="12192000" cy="6858000"/>
   <p:notesSz cx="6858000" cy="9144000"/>
@@ -19940,247 +19939,6 @@
 </p:sld>
 </file>
 
-<file path=ppt/slides/slide9.xml><?xml version="1.0" encoding="utf-8"?>
-<p:sld xmlns:a="http://schemas.openxmlformats.org/drawingml/2006/main" xmlns:r="http://schemas.openxmlformats.org/officeDocument/2006/relationships" xmlns:p="http://schemas.openxmlformats.org/presentationml/2006/main">
-  <p:cSld>
-    <p:spTree>
-      <p:nvGrpSpPr>
-        <p:cNvPr id="1" name=""/>
-        <p:cNvGrpSpPr/>
-        <p:nvPr/>
-      </p:nvGrpSpPr>
-      <p:grpSpPr>
-        <a:xfrm>
-          <a:off x="0" y="0"/>
-          <a:ext cx="0" cy="0"/>
-          <a:chOff x="0" y="0"/>
-          <a:chExt cx="0" cy="0"/>
-        </a:xfrm>
-      </p:grpSpPr>
-      <p:sp>
-        <p:nvSpPr>
-          <p:cNvPr id="2" name="Title 1">
-            <a:extLst>
-              <a:ext uri="{FF2B5EF4-FFF2-40B4-BE49-F238E27FC236}">
-                <a16:creationId xmlns:a16="http://schemas.microsoft.com/office/drawing/2014/main" id="{ACCD53B4-427E-EA03-96F0-1205BE858625}"/>
-              </a:ext>
-            </a:extLst>
-          </p:cNvPr>
-          <p:cNvSpPr>
-            <a:spLocks noGrp="1"/>
-          </p:cNvSpPr>
-          <p:nvPr>
-            <p:ph type="title"/>
-          </p:nvPr>
-        </p:nvSpPr>
-        <p:spPr/>
-        <p:txBody>
-          <a:bodyPr/>
-          <a:lstStyle/>
-          <a:p>
-            <a:r>
-              <a:rPr lang="en-US" dirty="0"/>
-              <a:t>Component Selection (Remove slide for submission)</a:t>
-            </a:r>
-          </a:p>
-        </p:txBody>
-      </p:sp>
-      <p:sp>
-        <p:nvSpPr>
-          <p:cNvPr id="3" name="Content Placeholder 2">
-            <a:extLst>
-              <a:ext uri="{FF2B5EF4-FFF2-40B4-BE49-F238E27FC236}">
-                <a16:creationId xmlns:a16="http://schemas.microsoft.com/office/drawing/2014/main" id="{B543A702-BE4B-FD4F-F718-52B4ADE0FE88}"/>
-              </a:ext>
-            </a:extLst>
-          </p:cNvPr>
-          <p:cNvSpPr>
-            <a:spLocks noGrp="1"/>
-          </p:cNvSpPr>
-          <p:nvPr>
-            <p:ph idx="1"/>
-          </p:nvPr>
-        </p:nvSpPr>
-        <p:spPr/>
-        <p:txBody>
-          <a:bodyPr/>
-          <a:lstStyle/>
-          <a:p>
-            <a:r>
-              <a:rPr lang="en-US" dirty="0"/>
-              <a:t>All components must be from either:  </a:t>
-            </a:r>
-            <a:r>
-              <a:rPr lang="en-US" dirty="0">
-                <a:hlinkClick r:id="rId2"/>
-              </a:rPr>
-              <a:t>Amazon</a:t>
-            </a:r>
-            <a:r>
-              <a:rPr lang="en-US" dirty="0"/>
-              <a:t>, </a:t>
-            </a:r>
-            <a:r>
-              <a:rPr lang="en-US" dirty="0">
-                <a:hlinkClick r:id="rId3"/>
-              </a:rPr>
-              <a:t>Adafruit</a:t>
-            </a:r>
-            <a:r>
-              <a:rPr lang="en-US" dirty="0"/>
-              <a:t>, </a:t>
-            </a:r>
-            <a:r>
-              <a:rPr lang="en-US" dirty="0">
-                <a:hlinkClick r:id="rId4"/>
-              </a:rPr>
-              <a:t>Sparkfun</a:t>
-            </a:r>
-            <a:r>
-              <a:rPr lang="en-US" dirty="0"/>
-              <a:t>, </a:t>
-            </a:r>
-            <a:r>
-              <a:rPr lang="en-US" dirty="0">
-                <a:hlinkClick r:id="rId5"/>
-              </a:rPr>
-              <a:t>Digi-Key</a:t>
-            </a:r>
-            <a:r>
-              <a:rPr lang="en-US" dirty="0"/>
-              <a:t>, or </a:t>
-            </a:r>
-            <a:r>
-              <a:rPr lang="en-US" dirty="0">
-                <a:hlinkClick r:id="rId6"/>
-              </a:rPr>
-              <a:t>Mouser</a:t>
-            </a:r>
-            <a:endParaRPr lang="en-US" dirty="0"/>
-          </a:p>
-          <a:p>
-            <a:r>
-              <a:rPr lang="en-US" dirty="0"/>
-              <a:t>Select no more than two (2) components that are not on approved component spreadsheet</a:t>
-            </a:r>
-          </a:p>
-          <a:p>
-            <a:pPr lvl="1"/>
-            <a:r>
-              <a:rPr lang="en-US" dirty="0"/>
-              <a:t>See Canvas </a:t>
-            </a:r>
-            <a:r>
-              <a:rPr lang="en-US" dirty="0">
-                <a:sym typeface="Wingdings" panose="05000000000000000000" pitchFamily="2" charset="2"/>
-              </a:rPr>
-              <a:t> Files  assignments  ENGI301_project_01_parts_list.xlsx</a:t>
-            </a:r>
-          </a:p>
-          <a:p>
-            <a:pPr lvl="1"/>
-            <a:r>
-              <a:rPr lang="en-US" dirty="0"/>
-              <a:t>If there is a cheaper part that you would like to use, we can discuss in the project meeting</a:t>
-            </a:r>
-          </a:p>
-          <a:p>
-            <a:r>
-              <a:rPr lang="en-US" dirty="0"/>
-              <a:t>All components needed for the project should be listed on Slide 5</a:t>
-            </a:r>
-          </a:p>
-          <a:p>
-            <a:r>
-              <a:rPr lang="en-US" dirty="0"/>
-              <a:t>All components should have links to the website where they can be purchased</a:t>
-            </a:r>
-          </a:p>
-          <a:p>
-            <a:pPr lvl="1"/>
-            <a:r>
-              <a:rPr lang="en-US" dirty="0"/>
-              <a:t>Please trim URLs for links to Amazon</a:t>
-            </a:r>
-          </a:p>
-          <a:p>
-            <a:r>
-              <a:rPr lang="en-US" dirty="0"/>
-              <a:t>ENGI301 will supplement $25 to $35 dollars for components</a:t>
-            </a:r>
-          </a:p>
-          <a:p>
-            <a:pPr lvl="1"/>
-            <a:r>
-              <a:rPr lang="en-US" dirty="0"/>
-              <a:t>Please indicate what components need to be purchased by ENGI301</a:t>
-            </a:r>
-          </a:p>
-          <a:p>
-            <a:endParaRPr lang="en-US" dirty="0"/>
-          </a:p>
-        </p:txBody>
-      </p:sp>
-      <p:sp>
-        <p:nvSpPr>
-          <p:cNvPr id="4" name="TextBox 3">
-            <a:extLst>
-              <a:ext uri="{FF2B5EF4-FFF2-40B4-BE49-F238E27FC236}">
-                <a16:creationId xmlns:a16="http://schemas.microsoft.com/office/drawing/2014/main" id="{C59BE50F-C22E-20BE-3553-2BC61AE40EA1}"/>
-              </a:ext>
-            </a:extLst>
-          </p:cNvPr>
-          <p:cNvSpPr txBox="1"/>
-          <p:nvPr/>
-        </p:nvSpPr>
-        <p:spPr>
-          <a:xfrm>
-            <a:off x="2590800" y="6286500"/>
-            <a:ext cx="7083991" cy="369332"/>
-          </a:xfrm>
-          <a:prstGeom prst="rect">
-            <a:avLst/>
-          </a:prstGeom>
-          <a:noFill/>
-        </p:spPr>
-        <p:txBody>
-          <a:bodyPr wrap="none" rtlCol="0">
-            <a:spAutoFit/>
-          </a:bodyPr>
-          <a:lstStyle/>
-          <a:p>
-            <a:r>
-              <a:rPr lang="en-US" dirty="0"/>
-              <a:t>If you have a special request, we can discuss in the project meeting</a:t>
-            </a:r>
-          </a:p>
-        </p:txBody>
-      </p:sp>
-    </p:spTree>
-    <p:extLst>
-      <p:ext uri="{BB962C8B-B14F-4D97-AF65-F5344CB8AC3E}">
-        <p14:creationId xmlns:p14="http://schemas.microsoft.com/office/powerpoint/2010/main" val="1804182289"/>
-      </p:ext>
-    </p:extLst>
-  </p:cSld>
-  <p:clrMapOvr>
-    <a:masterClrMapping/>
-  </p:clrMapOvr>
-  <mc:AlternateContent xmlns:mc="http://schemas.openxmlformats.org/markup-compatibility/2006" xmlns:p14="http://schemas.microsoft.com/office/powerpoint/2010/main">
-    <mc:Choice Requires="p14">
-      <p:transition spd="med" p14:dur="700">
-        <p:fade/>
-      </p:transition>
-    </mc:Choice>
-    <mc:Fallback xmlns="">
-      <p:transition spd="med">
-        <p:fade/>
-      </p:transition>
-    </mc:Fallback>
-  </mc:AlternateContent>
-</p:sld>
-</file>
-
 <file path=ppt/theme/theme1.xml><?xml version="1.0" encoding="utf-8"?>
 <a:theme xmlns:a="http://schemas.openxmlformats.org/drawingml/2006/main" name="Diamond Grid 16x9">
   <a:themeElements>

--- a/project_01/docs/Bunchatheravate_ENGI301_project_01_proposal.pptx
+++ b/project_01/docs/Bunchatheravate_ENGI301_project_01_proposal.pptx
@@ -221,7 +221,7 @@
           <a:p>
             <a:fld id="{59041DB8-B66F-4DC8-A96E-33677E0F90FF}" type="datetimeFigureOut">
               <a:rPr lang="en-US" smtClean="0"/>
-              <a:t>2/19/2024</a:t>
+              <a:t>2/21/2024</a:t>
             </a:fld>
             <a:endParaRPr lang="en-US"/>
           </a:p>
@@ -386,7 +386,7 @@
           <a:p>
             <a:fld id="{DEB49C4A-65AC-492D-9701-81B46C3AD0E4}" type="datetimeFigureOut">
               <a:rPr lang="en-US" smtClean="0"/>
-              <a:t>2/19/2024</a:t>
+              <a:t>2/21/2024</a:t>
             </a:fld>
             <a:endParaRPr lang="en-US"/>
           </a:p>
@@ -2894,7 +2894,7 @@
           <a:p>
             <a:fld id="{384A29A4-78C8-47AB-BA06-22CB45938951}" type="datetime1">
               <a:rPr lang="en-US" smtClean="0"/>
-              <a:t>2/19/2024</a:t>
+              <a:t>2/21/2024</a:t>
             </a:fld>
             <a:endParaRPr lang="en-US"/>
           </a:p>
@@ -3089,7 +3089,7 @@
           <a:p>
             <a:fld id="{E1ED4ACF-2D82-46F2-A8E9-23963AA34E86}" type="datetime1">
               <a:rPr lang="en-US" smtClean="0"/>
-              <a:t>2/19/2024</a:t>
+              <a:t>2/21/2024</a:t>
             </a:fld>
             <a:endParaRPr lang="en-US"/>
           </a:p>
@@ -3283,7 +3283,7 @@
           <a:p>
             <a:fld id="{AE374B5B-21A0-4192-BF4C-38187F1A68D8}" type="datetime1">
               <a:rPr lang="en-US" smtClean="0"/>
-              <a:t>2/19/2024</a:t>
+              <a:t>2/21/2024</a:t>
             </a:fld>
             <a:endParaRPr lang="en-US"/>
           </a:p>
@@ -5624,7 +5624,7 @@
           <a:p>
             <a:fld id="{33B5CF7C-B333-48E1-A4A6-83A3C8B73AC0}" type="datetime1">
               <a:rPr lang="en-US" smtClean="0"/>
-              <a:t>2/19/2024</a:t>
+              <a:t>2/21/2024</a:t>
             </a:fld>
             <a:endParaRPr lang="en-US"/>
           </a:p>
@@ -6077,7 +6077,7 @@
           <a:p>
             <a:fld id="{AE320762-5CBF-4210-AB54-376B091119F8}" type="datetime1">
               <a:rPr lang="en-US" smtClean="0"/>
-              <a:t>2/19/2024</a:t>
+              <a:t>2/21/2024</a:t>
             </a:fld>
             <a:endParaRPr lang="en-US"/>
           </a:p>
@@ -6209,7 +6209,7 @@
           <a:p>
             <a:fld id="{7F0DB371-BF5F-4058-A212-1A908E4D2674}" type="datetime1">
               <a:rPr lang="en-US" smtClean="0"/>
-              <a:t>2/19/2024</a:t>
+              <a:t>2/21/2024</a:t>
             </a:fld>
             <a:endParaRPr lang="en-US"/>
           </a:p>
@@ -8142,7 +8142,7 @@
           <a:p>
             <a:fld id="{60A4083B-90AA-48CF-BAD5-00AA24D7F288}" type="datetime1">
               <a:rPr lang="en-US" smtClean="0"/>
-              <a:t>2/19/2024</a:t>
+              <a:t>2/21/2024</a:t>
             </a:fld>
             <a:endParaRPr lang="en-US"/>
           </a:p>
@@ -10401,7 +10401,7 @@
             <a:fld id="{F5BAF629-ECA2-4CF3-B790-9D9BDED98269}" type="datetime1">
               <a:rPr lang="en-US" smtClean="0"/>
               <a:pPr/>
-              <a:t>2/19/2024</a:t>
+              <a:t>2/21/2024</a:t>
             </a:fld>
             <a:endParaRPr lang="en-US"/>
           </a:p>
@@ -14696,7 +14696,7 @@
             <a:fld id="{B51B2453-8663-4C69-AF73-9FD7B1DEC5D0}" type="datetime1">
               <a:rPr lang="en-US" smtClean="0"/>
               <a:pPr/>
-              <a:t>2/19/2024</a:t>
+              <a:t>2/21/2024</a:t>
             </a:fld>
             <a:endParaRPr lang="en-US" dirty="0"/>
           </a:p>
@@ -15898,61 +15898,8 @@
           <a:p>
             <a:pPr algn="ctr"/>
             <a:r>
-              <a:rPr lang="en-US" sz="900" dirty="0" err="1"/>
-              <a:t>PowerBoost</a:t>
-            </a:r>
-            <a:r>
               <a:rPr lang="en-US" sz="900" dirty="0"/>
-              <a:t> 1000c</a:t>
-            </a:r>
-          </a:p>
-        </p:txBody>
-      </p:sp>
-      <p:sp>
-        <p:nvSpPr>
-          <p:cNvPr id="21" name="Rectangle: Rounded Corners 20">
-            <a:extLst>
-              <a:ext uri="{FF2B5EF4-FFF2-40B4-BE49-F238E27FC236}">
-                <a16:creationId xmlns:a16="http://schemas.microsoft.com/office/drawing/2014/main" id="{AD321DA4-A9B3-3CDE-D624-7AEFD5E53124}"/>
-              </a:ext>
-            </a:extLst>
-          </p:cNvPr>
-          <p:cNvSpPr/>
-          <p:nvPr/>
-        </p:nvSpPr>
-        <p:spPr>
-          <a:xfrm>
-            <a:off x="2588260" y="603952"/>
-            <a:ext cx="1333499" cy="419098"/>
-          </a:xfrm>
-          <a:prstGeom prst="roundRect">
-            <a:avLst/>
-          </a:prstGeom>
-        </p:spPr>
-        <p:style>
-          <a:lnRef idx="2">
-            <a:schemeClr val="accent1">
-              <a:shade val="15000"/>
-            </a:schemeClr>
-          </a:lnRef>
-          <a:fillRef idx="1">
-            <a:schemeClr val="accent1"/>
-          </a:fillRef>
-          <a:effectRef idx="0">
-            <a:schemeClr val="accent1"/>
-          </a:effectRef>
-          <a:fontRef idx="minor">
-            <a:schemeClr val="lt1"/>
-          </a:fontRef>
-        </p:style>
-        <p:txBody>
-          <a:bodyPr rtlCol="0" anchor="ctr"/>
-          <a:lstStyle/>
-          <a:p>
-            <a:pPr algn="ctr"/>
-            <a:r>
-              <a:rPr lang="en-US" sz="1000" dirty="0"/>
-              <a:t>Battery</a:t>
+              <a:t>5V Battery Pack</a:t>
             </a:r>
           </a:p>
         </p:txBody>
@@ -16007,6 +15954,13 @@
             <a:r>
               <a:rPr lang="en-US" sz="900" dirty="0"/>
               <a:t>SPI Screen</a:t>
+            </a:r>
+          </a:p>
+          <a:p>
+            <a:pPr algn="ctr"/>
+            <a:r>
+              <a:rPr lang="en-US" sz="900" dirty="0"/>
+              <a:t>with TSC2007 </a:t>
             </a:r>
           </a:p>
         </p:txBody>
@@ -16619,48 +16573,6 @@
       </p:sp>
       <p:cxnSp>
         <p:nvCxnSpPr>
-          <p:cNvPr id="50" name="Straight Arrow Connector 49">
-            <a:extLst>
-              <a:ext uri="{FF2B5EF4-FFF2-40B4-BE49-F238E27FC236}">
-                <a16:creationId xmlns:a16="http://schemas.microsoft.com/office/drawing/2014/main" id="{F0501E74-8477-F70A-DB64-94499C2CDEBA}"/>
-              </a:ext>
-            </a:extLst>
-          </p:cNvPr>
-          <p:cNvCxnSpPr>
-            <a:stCxn id="21" idx="2"/>
-            <a:endCxn id="17" idx="0"/>
-          </p:cNvCxnSpPr>
-          <p:nvPr/>
-        </p:nvCxnSpPr>
-        <p:spPr>
-          <a:xfrm>
-            <a:off x="3255010" y="1023050"/>
-            <a:ext cx="0" cy="642050"/>
-          </a:xfrm>
-          <a:prstGeom prst="straightConnector1">
-            <a:avLst/>
-          </a:prstGeom>
-          <a:ln>
-            <a:tailEnd type="triangle"/>
-          </a:ln>
-        </p:spPr>
-        <p:style>
-          <a:lnRef idx="1">
-            <a:schemeClr val="dk1"/>
-          </a:lnRef>
-          <a:fillRef idx="0">
-            <a:schemeClr val="dk1"/>
-          </a:fillRef>
-          <a:effectRef idx="0">
-            <a:schemeClr val="dk1"/>
-          </a:effectRef>
-          <a:fontRef idx="minor">
-            <a:schemeClr val="tx1"/>
-          </a:fontRef>
-        </p:style>
-      </p:cxnSp>
-      <p:cxnSp>
-        <p:nvCxnSpPr>
           <p:cNvPr id="52" name="Straight Arrow Connector 51">
             <a:extLst>
               <a:ext uri="{FF2B5EF4-FFF2-40B4-BE49-F238E27FC236}">
@@ -16977,62 +16889,6 @@
       </p:cxnSp>
       <p:sp>
         <p:nvSpPr>
-          <p:cNvPr id="65" name="Rectangle: Rounded Corners 64">
-            <a:extLst>
-              <a:ext uri="{FF2B5EF4-FFF2-40B4-BE49-F238E27FC236}">
-                <a16:creationId xmlns:a16="http://schemas.microsoft.com/office/drawing/2014/main" id="{421028B2-A96E-93DF-F119-A0FA8A99B09D}"/>
-              </a:ext>
-            </a:extLst>
-          </p:cNvPr>
-          <p:cNvSpPr/>
-          <p:nvPr/>
-        </p:nvSpPr>
-        <p:spPr>
-          <a:xfrm>
-            <a:off x="800100" y="2438400"/>
-            <a:ext cx="1524000" cy="723900"/>
-          </a:xfrm>
-          <a:prstGeom prst="roundRect">
-            <a:avLst/>
-          </a:prstGeom>
-        </p:spPr>
-        <p:style>
-          <a:lnRef idx="2">
-            <a:schemeClr val="accent1">
-              <a:shade val="15000"/>
-            </a:schemeClr>
-          </a:lnRef>
-          <a:fillRef idx="1">
-            <a:schemeClr val="accent1"/>
-          </a:fillRef>
-          <a:effectRef idx="0">
-            <a:schemeClr val="accent1"/>
-          </a:effectRef>
-          <a:fontRef idx="minor">
-            <a:schemeClr val="lt1"/>
-          </a:fontRef>
-        </p:style>
-        <p:txBody>
-          <a:bodyPr rtlCol="0" anchor="ctr"/>
-          <a:lstStyle/>
-          <a:p>
-            <a:pPr algn="ctr"/>
-            <a:r>
-              <a:rPr lang="en-US" sz="900" dirty="0"/>
-              <a:t>USB Hub</a:t>
-            </a:r>
-          </a:p>
-          <a:p>
-            <a:pPr algn="ctr"/>
-            <a:r>
-              <a:rPr lang="en-US" sz="900" dirty="0"/>
-              <a:t>(&lt;900 mA)</a:t>
-            </a:r>
-          </a:p>
-        </p:txBody>
-      </p:sp>
-      <p:sp>
-        <p:nvSpPr>
           <p:cNvPr id="66" name="Rectangle: Rounded Corners 65">
             <a:extLst>
               <a:ext uri="{FF2B5EF4-FFF2-40B4-BE49-F238E27FC236}">
@@ -17045,7 +16901,7 @@
         </p:nvSpPr>
         <p:spPr>
           <a:xfrm>
-            <a:off x="895349" y="3600452"/>
+            <a:off x="993649" y="2606402"/>
             <a:ext cx="1333499" cy="419098"/>
           </a:xfrm>
           <a:prstGeom prst="roundRect">
@@ -17080,84 +16936,6 @@
           </a:p>
         </p:txBody>
       </p:sp>
-      <p:cxnSp>
-        <p:nvCxnSpPr>
-          <p:cNvPr id="67" name="Connector: Elbow 66">
-            <a:extLst>
-              <a:ext uri="{FF2B5EF4-FFF2-40B4-BE49-F238E27FC236}">
-                <a16:creationId xmlns:a16="http://schemas.microsoft.com/office/drawing/2014/main" id="{40D33987-C668-B659-143D-19EF500159A5}"/>
-              </a:ext>
-            </a:extLst>
-          </p:cNvPr>
-          <p:cNvCxnSpPr/>
-          <p:nvPr/>
-        </p:nvCxnSpPr>
-        <p:spPr>
-          <a:xfrm rot="10800000" flipV="1">
-            <a:off x="1562100" y="813500"/>
-            <a:ext cx="1026160" cy="1624899"/>
-          </a:xfrm>
-          <a:prstGeom prst="bentConnector2">
-            <a:avLst/>
-          </a:prstGeom>
-          <a:ln>
-            <a:tailEnd type="triangle"/>
-          </a:ln>
-        </p:spPr>
-        <p:style>
-          <a:lnRef idx="1">
-            <a:schemeClr val="dk1"/>
-          </a:lnRef>
-          <a:fillRef idx="0">
-            <a:schemeClr val="dk1"/>
-          </a:fillRef>
-          <a:effectRef idx="0">
-            <a:schemeClr val="dk1"/>
-          </a:effectRef>
-          <a:fontRef idx="minor">
-            <a:schemeClr val="tx1"/>
-          </a:fontRef>
-        </p:style>
-      </p:cxnSp>
-      <p:cxnSp>
-        <p:nvCxnSpPr>
-          <p:cNvPr id="68" name="Straight Arrow Connector 67">
-            <a:extLst>
-              <a:ext uri="{FF2B5EF4-FFF2-40B4-BE49-F238E27FC236}">
-                <a16:creationId xmlns:a16="http://schemas.microsoft.com/office/drawing/2014/main" id="{341AC39B-6122-777B-609F-2F4B79189291}"/>
-              </a:ext>
-            </a:extLst>
-          </p:cNvPr>
-          <p:cNvCxnSpPr/>
-          <p:nvPr/>
-        </p:nvCxnSpPr>
-        <p:spPr>
-          <a:xfrm flipH="1">
-            <a:off x="1562099" y="3162300"/>
-            <a:ext cx="1" cy="438152"/>
-          </a:xfrm>
-          <a:prstGeom prst="straightConnector1">
-            <a:avLst/>
-          </a:prstGeom>
-          <a:ln>
-            <a:tailEnd type="triangle"/>
-          </a:ln>
-        </p:spPr>
-        <p:style>
-          <a:lnRef idx="1">
-            <a:schemeClr val="dk1"/>
-          </a:lnRef>
-          <a:fillRef idx="0">
-            <a:schemeClr val="dk1"/>
-          </a:fillRef>
-          <a:effectRef idx="0">
-            <a:schemeClr val="dk1"/>
-          </a:effectRef>
-          <a:fontRef idx="minor">
-            <a:schemeClr val="tx1"/>
-          </a:fontRef>
-        </p:style>
-      </p:cxnSp>
       <p:cxnSp>
         <p:nvCxnSpPr>
           <p:cNvPr id="71" name="Straight Arrow Connector 70">
@@ -17264,6 +17042,41 @@
             <a:r>
               <a:rPr lang="en-US" dirty="0"/>
               <a:t>Bela mini</a:t>
+            </a:r>
+          </a:p>
+        </p:txBody>
+      </p:sp>
+      <p:sp>
+        <p:nvSpPr>
+          <p:cNvPr id="2" name="TextBox 1">
+            <a:extLst>
+              <a:ext uri="{FF2B5EF4-FFF2-40B4-BE49-F238E27FC236}">
+                <a16:creationId xmlns:a16="http://schemas.microsoft.com/office/drawing/2014/main" id="{5A34B98C-59D5-0B58-DCB5-7B8DDAB8012D}"/>
+              </a:ext>
+            </a:extLst>
+          </p:cNvPr>
+          <p:cNvSpPr txBox="1"/>
+          <p:nvPr/>
+        </p:nvSpPr>
+        <p:spPr>
+          <a:xfrm>
+            <a:off x="4495798" y="2717801"/>
+            <a:ext cx="1409702" cy="200055"/>
+          </a:xfrm>
+          <a:prstGeom prst="rect">
+            <a:avLst/>
+          </a:prstGeom>
+          <a:noFill/>
+        </p:spPr>
+        <p:txBody>
+          <a:bodyPr wrap="square" rtlCol="0">
+            <a:spAutoFit/>
+          </a:bodyPr>
+          <a:lstStyle/>
+          <a:p>
+            <a:r>
+              <a:rPr lang="en-US" sz="700" b="1" dirty="0"/>
+              <a:t>USB Port (On BELA mini)</a:t>
             </a:r>
           </a:p>
         </p:txBody>
@@ -17511,61 +17324,8 @@
           <a:p>
             <a:pPr algn="ctr"/>
             <a:r>
-              <a:rPr lang="en-US" sz="900" dirty="0" err="1"/>
-              <a:t>PowerBoost</a:t>
-            </a:r>
-            <a:r>
               <a:rPr lang="en-US" sz="900" dirty="0"/>
-              <a:t> 1000c</a:t>
-            </a:r>
-          </a:p>
-        </p:txBody>
-      </p:sp>
-      <p:sp>
-        <p:nvSpPr>
-          <p:cNvPr id="13" name="Rectangle: Rounded Corners 12">
-            <a:extLst>
-              <a:ext uri="{FF2B5EF4-FFF2-40B4-BE49-F238E27FC236}">
-                <a16:creationId xmlns:a16="http://schemas.microsoft.com/office/drawing/2014/main" id="{3D8E4058-E850-FEAC-D80A-9884FBA9DACC}"/>
-              </a:ext>
-            </a:extLst>
-          </p:cNvPr>
-          <p:cNvSpPr/>
-          <p:nvPr/>
-        </p:nvSpPr>
-        <p:spPr>
-          <a:xfrm>
-            <a:off x="2588260" y="603952"/>
-            <a:ext cx="1333499" cy="419098"/>
-          </a:xfrm>
-          <a:prstGeom prst="roundRect">
-            <a:avLst/>
-          </a:prstGeom>
-        </p:spPr>
-        <p:style>
-          <a:lnRef idx="2">
-            <a:schemeClr val="accent1">
-              <a:shade val="15000"/>
-            </a:schemeClr>
-          </a:lnRef>
-          <a:fillRef idx="1">
-            <a:schemeClr val="accent1"/>
-          </a:fillRef>
-          <a:effectRef idx="0">
-            <a:schemeClr val="accent1"/>
-          </a:effectRef>
-          <a:fontRef idx="minor">
-            <a:schemeClr val="lt1"/>
-          </a:fontRef>
-        </p:style>
-        <p:txBody>
-          <a:bodyPr rtlCol="0" anchor="ctr"/>
-          <a:lstStyle/>
-          <a:p>
-            <a:pPr algn="ctr"/>
-            <a:r>
-              <a:rPr lang="en-US" sz="1000" dirty="0"/>
-              <a:t>Battery</a:t>
+              <a:t>5 V Battery Pack</a:t>
             </a:r>
           </a:p>
         </p:txBody>
@@ -17620,6 +17380,13 @@
             <a:r>
               <a:rPr lang="en-US" sz="900" dirty="0"/>
               <a:t>SPI Screen</a:t>
+            </a:r>
+          </a:p>
+          <a:p>
+            <a:pPr algn="ctr"/>
+            <a:r>
+              <a:rPr lang="en-US" sz="900" dirty="0"/>
+              <a:t>with TSC2007</a:t>
             </a:r>
           </a:p>
           <a:p>
@@ -18247,62 +18014,6 @@
       </p:sp>
       <p:sp>
         <p:nvSpPr>
-          <p:cNvPr id="38" name="Rectangle: Rounded Corners 37">
-            <a:extLst>
-              <a:ext uri="{FF2B5EF4-FFF2-40B4-BE49-F238E27FC236}">
-                <a16:creationId xmlns:a16="http://schemas.microsoft.com/office/drawing/2014/main" id="{1929BBE6-BB36-170B-6909-0177403430D5}"/>
-              </a:ext>
-            </a:extLst>
-          </p:cNvPr>
-          <p:cNvSpPr/>
-          <p:nvPr/>
-        </p:nvSpPr>
-        <p:spPr>
-          <a:xfrm>
-            <a:off x="800100" y="2438400"/>
-            <a:ext cx="1524000" cy="723900"/>
-          </a:xfrm>
-          <a:prstGeom prst="roundRect">
-            <a:avLst/>
-          </a:prstGeom>
-        </p:spPr>
-        <p:style>
-          <a:lnRef idx="2">
-            <a:schemeClr val="accent1">
-              <a:shade val="15000"/>
-            </a:schemeClr>
-          </a:lnRef>
-          <a:fillRef idx="1">
-            <a:schemeClr val="accent1"/>
-          </a:fillRef>
-          <a:effectRef idx="0">
-            <a:schemeClr val="accent1"/>
-          </a:effectRef>
-          <a:fontRef idx="minor">
-            <a:schemeClr val="lt1"/>
-          </a:fontRef>
-        </p:style>
-        <p:txBody>
-          <a:bodyPr rtlCol="0" anchor="ctr"/>
-          <a:lstStyle/>
-          <a:p>
-            <a:pPr algn="ctr"/>
-            <a:r>
-              <a:rPr lang="en-US" sz="900" dirty="0"/>
-              <a:t>USB Hub</a:t>
-            </a:r>
-          </a:p>
-          <a:p>
-            <a:pPr algn="ctr"/>
-            <a:r>
-              <a:rPr lang="en-US" sz="900" dirty="0"/>
-              <a:t>(&lt;900 mA)</a:t>
-            </a:r>
-          </a:p>
-        </p:txBody>
-      </p:sp>
-      <p:sp>
-        <p:nvSpPr>
           <p:cNvPr id="39" name="TextBox 38">
             <a:extLst>
               <a:ext uri="{FF2B5EF4-FFF2-40B4-BE49-F238E27FC236}">
@@ -18315,8 +18026,8 @@
         </p:nvSpPr>
         <p:spPr>
           <a:xfrm>
-            <a:off x="4484473" y="2715924"/>
-            <a:ext cx="1028698" cy="200055"/>
+            <a:off x="4484472" y="2715924"/>
+            <a:ext cx="1363877" cy="200055"/>
           </a:xfrm>
           <a:prstGeom prst="rect">
             <a:avLst/>
@@ -18331,42 +18042,7 @@
           <a:p>
             <a:r>
               <a:rPr lang="en-US" sz="700" b="1" dirty="0"/>
-              <a:t>USB Port (USB1)</a:t>
-            </a:r>
-          </a:p>
-        </p:txBody>
-      </p:sp>
-      <p:sp>
-        <p:nvSpPr>
-          <p:cNvPr id="47" name="TextBox 46">
-            <a:extLst>
-              <a:ext uri="{FF2B5EF4-FFF2-40B4-BE49-F238E27FC236}">
-                <a16:creationId xmlns:a16="http://schemas.microsoft.com/office/drawing/2014/main" id="{48606B8A-3C7F-C511-AE32-F511A7EE8C09}"/>
-              </a:ext>
-            </a:extLst>
-          </p:cNvPr>
-          <p:cNvSpPr txBox="1"/>
-          <p:nvPr/>
-        </p:nvSpPr>
-        <p:spPr>
-          <a:xfrm>
-            <a:off x="1251711" y="1552545"/>
-            <a:ext cx="704850" cy="200055"/>
-          </a:xfrm>
-          <a:prstGeom prst="rect">
-            <a:avLst/>
-          </a:prstGeom>
-          <a:noFill/>
-        </p:spPr>
-        <p:txBody>
-          <a:bodyPr wrap="square" rtlCol="0">
-            <a:spAutoFit/>
-          </a:bodyPr>
-          <a:lstStyle/>
-          <a:p>
-            <a:r>
-              <a:rPr lang="en-US" sz="700" b="1" dirty="0"/>
-              <a:t>5 V</a:t>
+              <a:t>USB Port (BELA Mini)</a:t>
             </a:r>
           </a:p>
         </p:txBody>
@@ -18464,7 +18140,7 @@
         </p:nvSpPr>
         <p:spPr>
           <a:xfrm>
-            <a:off x="895349" y="3600452"/>
+            <a:off x="984251" y="2620966"/>
             <a:ext cx="1333499" cy="419098"/>
           </a:xfrm>
           <a:prstGeom prst="roundRect">
@@ -18513,7 +18189,7 @@
         </p:nvSpPr>
         <p:spPr>
           <a:xfrm>
-            <a:off x="1104899" y="3214567"/>
+            <a:off x="2887218" y="2500374"/>
             <a:ext cx="704850" cy="307777"/>
           </a:xfrm>
           <a:prstGeom prst="rect">
@@ -18696,177 +18372,6 @@
           </a:fillRef>
           <a:effectRef idx="0">
             <a:schemeClr val="dk1"/>
-          </a:effectRef>
-          <a:fontRef idx="minor">
-            <a:schemeClr val="tx1"/>
-          </a:fontRef>
-        </p:style>
-      </p:cxnSp>
-      <p:cxnSp>
-        <p:nvCxnSpPr>
-          <p:cNvPr id="63" name="Straight Arrow Connector 62">
-            <a:extLst>
-              <a:ext uri="{FF2B5EF4-FFF2-40B4-BE49-F238E27FC236}">
-                <a16:creationId xmlns:a16="http://schemas.microsoft.com/office/drawing/2014/main" id="{2C8BE9E8-AA7E-5D38-D179-D2A6547B07BC}"/>
-              </a:ext>
-            </a:extLst>
-          </p:cNvPr>
-          <p:cNvCxnSpPr/>
-          <p:nvPr/>
-        </p:nvCxnSpPr>
-        <p:spPr>
-          <a:xfrm>
-            <a:off x="3009900" y="1023050"/>
-            <a:ext cx="0" cy="642050"/>
-          </a:xfrm>
-          <a:prstGeom prst="straightConnector1">
-            <a:avLst/>
-          </a:prstGeom>
-          <a:ln>
-            <a:tailEnd type="triangle"/>
-          </a:ln>
-        </p:spPr>
-        <p:style>
-          <a:lnRef idx="1">
-            <a:schemeClr val="dk1"/>
-          </a:lnRef>
-          <a:fillRef idx="0">
-            <a:schemeClr val="dk1"/>
-          </a:fillRef>
-          <a:effectRef idx="0">
-            <a:schemeClr val="dk1"/>
-          </a:effectRef>
-          <a:fontRef idx="minor">
-            <a:schemeClr val="tx1"/>
-          </a:fontRef>
-        </p:style>
-      </p:cxnSp>
-      <p:cxnSp>
-        <p:nvCxnSpPr>
-          <p:cNvPr id="64" name="Straight Arrow Connector 63">
-            <a:extLst>
-              <a:ext uri="{FF2B5EF4-FFF2-40B4-BE49-F238E27FC236}">
-                <a16:creationId xmlns:a16="http://schemas.microsoft.com/office/drawing/2014/main" id="{7557B969-AD56-7179-CDCE-F97837B91389}"/>
-              </a:ext>
-            </a:extLst>
-          </p:cNvPr>
-          <p:cNvCxnSpPr/>
-          <p:nvPr/>
-        </p:nvCxnSpPr>
-        <p:spPr>
-          <a:xfrm>
-            <a:off x="3467100" y="1023050"/>
-            <a:ext cx="0" cy="642050"/>
-          </a:xfrm>
-          <a:prstGeom prst="straightConnector1">
-            <a:avLst/>
-          </a:prstGeom>
-          <a:ln>
-            <a:solidFill>
-              <a:srgbClr val="FF0000"/>
-            </a:solidFill>
-            <a:tailEnd type="triangle"/>
-          </a:ln>
-        </p:spPr>
-        <p:style>
-          <a:lnRef idx="1">
-            <a:schemeClr val="accent1"/>
-          </a:lnRef>
-          <a:fillRef idx="0">
-            <a:schemeClr val="accent1"/>
-          </a:fillRef>
-          <a:effectRef idx="0">
-            <a:schemeClr val="accent1"/>
-          </a:effectRef>
-          <a:fontRef idx="minor">
-            <a:schemeClr val="tx1"/>
-          </a:fontRef>
-        </p:style>
-      </p:cxnSp>
-      <p:cxnSp>
-        <p:nvCxnSpPr>
-          <p:cNvPr id="68" name="Connector: Elbow 67">
-            <a:extLst>
-              <a:ext uri="{FF2B5EF4-FFF2-40B4-BE49-F238E27FC236}">
-                <a16:creationId xmlns:a16="http://schemas.microsoft.com/office/drawing/2014/main" id="{6D46D07C-F5AE-771F-660F-E770399EAF30}"/>
-              </a:ext>
-            </a:extLst>
-          </p:cNvPr>
-          <p:cNvCxnSpPr>
-            <a:stCxn id="13" idx="1"/>
-            <a:endCxn id="38" idx="0"/>
-          </p:cNvCxnSpPr>
-          <p:nvPr/>
-        </p:nvCxnSpPr>
-        <p:spPr>
-          <a:xfrm rot="10800000" flipV="1">
-            <a:off x="1562100" y="813500"/>
-            <a:ext cx="1026160" cy="1624899"/>
-          </a:xfrm>
-          <a:prstGeom prst="bentConnector2">
-            <a:avLst/>
-          </a:prstGeom>
-          <a:ln>
-            <a:solidFill>
-              <a:srgbClr val="FF0000"/>
-            </a:solidFill>
-            <a:tailEnd type="triangle"/>
-          </a:ln>
-        </p:spPr>
-        <p:style>
-          <a:lnRef idx="1">
-            <a:schemeClr val="dk1"/>
-          </a:lnRef>
-          <a:fillRef idx="0">
-            <a:schemeClr val="dk1"/>
-          </a:fillRef>
-          <a:effectRef idx="0">
-            <a:schemeClr val="dk1"/>
-          </a:effectRef>
-          <a:fontRef idx="minor">
-            <a:schemeClr val="tx1"/>
-          </a:fontRef>
-        </p:style>
-      </p:cxnSp>
-      <p:cxnSp>
-        <p:nvCxnSpPr>
-          <p:cNvPr id="70" name="Straight Arrow Connector 69">
-            <a:extLst>
-              <a:ext uri="{FF2B5EF4-FFF2-40B4-BE49-F238E27FC236}">
-                <a16:creationId xmlns:a16="http://schemas.microsoft.com/office/drawing/2014/main" id="{0BA6D243-E379-5784-9D50-512531DFCE2C}"/>
-              </a:ext>
-            </a:extLst>
-          </p:cNvPr>
-          <p:cNvCxnSpPr>
-            <a:stCxn id="38" idx="2"/>
-            <a:endCxn id="50" idx="0"/>
-          </p:cNvCxnSpPr>
-          <p:nvPr/>
-        </p:nvCxnSpPr>
-        <p:spPr>
-          <a:xfrm flipH="1">
-            <a:off x="1562099" y="3162300"/>
-            <a:ext cx="1" cy="438152"/>
-          </a:xfrm>
-          <a:prstGeom prst="straightConnector1">
-            <a:avLst/>
-          </a:prstGeom>
-          <a:ln>
-            <a:solidFill>
-              <a:srgbClr val="FF0000"/>
-            </a:solidFill>
-            <a:tailEnd type="triangle"/>
-          </a:ln>
-        </p:spPr>
-        <p:style>
-          <a:lnRef idx="1">
-            <a:schemeClr val="accent1"/>
-          </a:lnRef>
-          <a:fillRef idx="0">
-            <a:schemeClr val="accent1"/>
-          </a:fillRef>
-          <a:effectRef idx="0">
-            <a:schemeClr val="accent1"/>
           </a:effectRef>
           <a:fontRef idx="minor">
             <a:schemeClr val="tx1"/>
@@ -19135,7 +18640,7 @@
             </a:extLst>
           </p:cNvPr>
           <p:cNvCxnSpPr>
-            <a:stCxn id="38" idx="3"/>
+            <a:cxnSpLocks/>
             <a:endCxn id="39" idx="1"/>
           </p:cNvCxnSpPr>
           <p:nvPr/>
@@ -19143,7 +18648,7 @@
         <p:spPr>
           <a:xfrm>
             <a:off x="2324100" y="2800350"/>
-            <a:ext cx="2160373" cy="15602"/>
+            <a:ext cx="2160372" cy="15602"/>
           </a:xfrm>
           <a:prstGeom prst="straightConnector1">
             <a:avLst/>
@@ -19167,41 +18672,6 @@
           </a:fontRef>
         </p:style>
       </p:cxnSp>
-      <p:sp>
-        <p:nvSpPr>
-          <p:cNvPr id="82" name="TextBox 81">
-            <a:extLst>
-              <a:ext uri="{FF2B5EF4-FFF2-40B4-BE49-F238E27FC236}">
-                <a16:creationId xmlns:a16="http://schemas.microsoft.com/office/drawing/2014/main" id="{7CC2F5FB-517F-49F1-550F-B15915F35BA1}"/>
-              </a:ext>
-            </a:extLst>
-          </p:cNvPr>
-          <p:cNvSpPr txBox="1"/>
-          <p:nvPr/>
-        </p:nvSpPr>
-        <p:spPr>
-          <a:xfrm>
-            <a:off x="2983333" y="2623250"/>
-            <a:ext cx="704850" cy="200055"/>
-          </a:xfrm>
-          <a:prstGeom prst="rect">
-            <a:avLst/>
-          </a:prstGeom>
-          <a:noFill/>
-        </p:spPr>
-        <p:txBody>
-          <a:bodyPr wrap="square" rtlCol="0">
-            <a:spAutoFit/>
-          </a:bodyPr>
-          <a:lstStyle/>
-          <a:p>
-            <a:r>
-              <a:rPr lang="en-US" sz="700" b="1" dirty="0"/>
-              <a:t>5 V</a:t>
-            </a:r>
-          </a:p>
-        </p:txBody>
-      </p:sp>
       <p:cxnSp>
         <p:nvCxnSpPr>
           <p:cNvPr id="83" name="Straight Connector 82">
@@ -19359,14 +18829,14 @@
             <p:ph idx="1"/>
             <p:extLst>
               <p:ext uri="{D42A27DB-BD31-4B8C-83A1-F6EECF244321}">
-                <p14:modId xmlns:p14="http://schemas.microsoft.com/office/powerpoint/2010/main" val="2811017327"/>
+                <p14:modId xmlns:p14="http://schemas.microsoft.com/office/powerpoint/2010/main" val="1185237275"/>
               </p:ext>
             </p:extLst>
           </p:nvPr>
         </p:nvGraphicFramePr>
         <p:xfrm>
           <a:off x="609600" y="1295400"/>
-          <a:ext cx="10972800" cy="2865120"/>
+          <a:ext cx="10972800" cy="2123440"/>
         </p:xfrm>
         <a:graphic>
           <a:graphicData uri="http://schemas.openxmlformats.org/drawingml/2006/table">
@@ -19511,7 +18981,7 @@
                         <a:rPr lang="en-US" dirty="0">
                           <a:hlinkClick r:id="rId3"/>
                         </a:rPr>
-                        <a:t>USB Hub (only need 1 port)</a:t>
+                        <a:t>TSC2007</a:t>
                       </a:r>
                       <a:endParaRPr lang="en-US" dirty="0"/>
                     </a:p>
@@ -19525,7 +18995,7 @@
                     <a:p>
                       <a:r>
                         <a:rPr lang="en-US" dirty="0"/>
-                        <a:t>No</a:t>
+                        <a:t>Yes</a:t>
                       </a:r>
                     </a:p>
                   </a:txBody>
@@ -19538,7 +19008,7 @@
                     <a:p>
                       <a:r>
                         <a:rPr lang="en-US" dirty="0"/>
-                        <a:t>19.99</a:t>
+                        <a:t>4.95</a:t>
                       </a:r>
                     </a:p>
                   </a:txBody>
@@ -19606,16 +19076,10 @@
                     <a:lstStyle/>
                     <a:p>
                       <a:r>
-                        <a:rPr lang="en-US" dirty="0" err="1">
-                          <a:hlinkClick r:id="rId5"/>
-                        </a:rPr>
-                        <a:t>PowerBoost</a:t>
-                      </a:r>
-                      <a:r>
                         <a:rPr lang="en-US" dirty="0">
                           <a:hlinkClick r:id="rId5"/>
                         </a:rPr>
-                        <a:t> 1000c</a:t>
+                        <a:t>5V battery pack</a:t>
                       </a:r>
                       <a:endParaRPr lang="en-US" dirty="0"/>
                     </a:p>
@@ -19642,7 +19106,7 @@
                     <a:p>
                       <a:r>
                         <a:rPr lang="en-US" dirty="0"/>
-                        <a:t>19.95</a:t>
+                        <a:t>13.99</a:t>
                       </a:r>
                     </a:p>
                   </a:txBody>
@@ -19651,86 +19115,6 @@
                 <a:extLst>
                   <a:ext uri="{0D108BD9-81ED-4DB2-BD59-A6C34878D82A}">
                     <a16:rowId xmlns:a16="http://schemas.microsoft.com/office/drawing/2014/main" val="1698356184"/>
-                  </a:ext>
-                </a:extLst>
-              </a:tr>
-              <a:tr h="370840">
-                <a:tc>
-                  <a:txBody>
-                    <a:bodyPr/>
-                    <a:lstStyle/>
-                    <a:p>
-                      <a:endParaRPr lang="en-US" dirty="0"/>
-                    </a:p>
-                  </a:txBody>
-                  <a:tcPr/>
-                </a:tc>
-                <a:tc>
-                  <a:txBody>
-                    <a:bodyPr/>
-                    <a:lstStyle/>
-                    <a:p>
-                      <a:endParaRPr lang="en-US" dirty="0"/>
-                    </a:p>
-                  </a:txBody>
-                  <a:tcPr/>
-                </a:tc>
-                <a:tc>
-                  <a:txBody>
-                    <a:bodyPr/>
-                    <a:lstStyle/>
-                    <a:p>
-                      <a:endParaRPr lang="en-US" dirty="0"/>
-                    </a:p>
-                  </a:txBody>
-                  <a:tcPr/>
-                </a:tc>
-                <a:extLst>
-                  <a:ext uri="{0D108BD9-81ED-4DB2-BD59-A6C34878D82A}">
-                    <a16:rowId xmlns:a16="http://schemas.microsoft.com/office/drawing/2014/main" val="1364489299"/>
-                  </a:ext>
-                </a:extLst>
-              </a:tr>
-              <a:tr h="370840">
-                <a:tc>
-                  <a:txBody>
-                    <a:bodyPr/>
-                    <a:lstStyle/>
-                    <a:p>
-                      <a:r>
-                        <a:rPr lang="en-US" dirty="0"/>
-                        <a:t>Total</a:t>
-                      </a:r>
-                    </a:p>
-                  </a:txBody>
-                  <a:tcPr/>
-                </a:tc>
-                <a:tc>
-                  <a:txBody>
-                    <a:bodyPr/>
-                    <a:lstStyle/>
-                    <a:p>
-                      <a:endParaRPr lang="en-US" dirty="0"/>
-                    </a:p>
-                  </a:txBody>
-                  <a:tcPr/>
-                </a:tc>
-                <a:tc>
-                  <a:txBody>
-                    <a:bodyPr/>
-                    <a:lstStyle/>
-                    <a:p>
-                      <a:r>
-                        <a:rPr lang="en-US" dirty="0"/>
-                        <a:t>167.88</a:t>
-                      </a:r>
-                    </a:p>
-                  </a:txBody>
-                  <a:tcPr/>
-                </a:tc>
-                <a:extLst>
-                  <a:ext uri="{0D108BD9-81ED-4DB2-BD59-A6C34878D82A}">
-                    <a16:rowId xmlns:a16="http://schemas.microsoft.com/office/drawing/2014/main" val="2337708406"/>
                   </a:ext>
                 </a:extLst>
               </a:tr>
